--- a/15 空间目标编目与空间碎片环境模型.pptx
+++ b/15 空间目标编目与空间碎片环境模型.pptx
@@ -235,7 +235,7 @@
           <a:p>
             <a:fld id="{26DDD1A4-63E9-4C41-BD0C-A6576214358F}" type="datetimeFigureOut">
               <a:rPr kumimoji="1" lang="zh-CN" altLang="en-US" smtClean="0"/>
-              <a:t>2023/7/18</a:t>
+              <a:t>2023/7/24</a:t>
             </a:fld>
             <a:endParaRPr kumimoji="1" lang="zh-CN" altLang="en-US"/>
           </a:p>
@@ -829,7 +829,7 @@
           <a:p>
             <a:fld id="{8664C608-40B1-4030-A28D-5B74BC98ADCE}" type="datetimeFigureOut">
               <a:rPr lang="en-US" smtClean="0"/>
-              <a:t>7/18/2023</a:t>
+              <a:t>7/24/2023</a:t>
             </a:fld>
             <a:endParaRPr lang="en-US" dirty="0"/>
           </a:p>
@@ -2439,13 +2439,13 @@
   <p:clrMapOvr>
     <a:masterClrMapping/>
   </p:clrMapOvr>
-  <mc:AlternateContent xmlns:mc="http://schemas.openxmlformats.org/markup-compatibility/2006">
-    <mc:Choice xmlns:p159="http://schemas.microsoft.com/office/powerpoint/2015/09/main" Requires="p159">
+  <mc:AlternateContent xmlns:mc="http://schemas.openxmlformats.org/markup-compatibility/2006" xmlns:p159="http://schemas.microsoft.com/office/powerpoint/2015/09/main">
+    <mc:Choice Requires="p159">
       <p:transition spd="slow">
         <p159:morph option="byObject"/>
       </p:transition>
     </mc:Choice>
-    <mc:Fallback>
+    <mc:Fallback xmlns="">
       <p:transition spd="slow">
         <p:fade/>
       </p:transition>
@@ -2630,13 +2630,13 @@
   <p:clrMapOvr>
     <a:masterClrMapping/>
   </p:clrMapOvr>
-  <mc:AlternateContent xmlns:mc="http://schemas.openxmlformats.org/markup-compatibility/2006">
-    <mc:Choice xmlns:p159="http://schemas.microsoft.com/office/powerpoint/2015/09/main" Requires="p159">
+  <mc:AlternateContent xmlns:mc="http://schemas.openxmlformats.org/markup-compatibility/2006" xmlns:p159="http://schemas.microsoft.com/office/powerpoint/2015/09/main">
+    <mc:Choice Requires="p159">
       <p:transition spd="slow">
         <p159:morph option="byObject"/>
       </p:transition>
     </mc:Choice>
-    <mc:Fallback>
+    <mc:Fallback xmlns="">
       <p:transition spd="slow">
         <p:fade/>
       </p:transition>
@@ -2888,13 +2888,13 @@
   <p:clrMapOvr>
     <a:masterClrMapping/>
   </p:clrMapOvr>
-  <mc:AlternateContent xmlns:mc="http://schemas.openxmlformats.org/markup-compatibility/2006">
-    <mc:Choice xmlns:p159="http://schemas.microsoft.com/office/powerpoint/2015/09/main" Requires="p159">
+  <mc:AlternateContent xmlns:mc="http://schemas.openxmlformats.org/markup-compatibility/2006" xmlns:p159="http://schemas.microsoft.com/office/powerpoint/2015/09/main">
+    <mc:Choice Requires="p159">
       <p:transition spd="slow">
         <p159:morph option="byObject"/>
       </p:transition>
     </mc:Choice>
-    <mc:Fallback>
+    <mc:Fallback xmlns="">
       <p:transition spd="slow">
         <p:fade/>
       </p:transition>
@@ -3343,13 +3343,13 @@
   <p:clrMapOvr>
     <a:masterClrMapping/>
   </p:clrMapOvr>
-  <mc:AlternateContent xmlns:mc="http://schemas.openxmlformats.org/markup-compatibility/2006">
-    <mc:Choice xmlns:p159="http://schemas.microsoft.com/office/powerpoint/2015/09/main" Requires="p159">
+  <mc:AlternateContent xmlns:mc="http://schemas.openxmlformats.org/markup-compatibility/2006" xmlns:p159="http://schemas.microsoft.com/office/powerpoint/2015/09/main">
+    <mc:Choice Requires="p159">
       <p:transition spd="slow">
         <p159:morph option="byObject"/>
       </p:transition>
     </mc:Choice>
-    <mc:Fallback>
+    <mc:Fallback xmlns="">
       <p:transition spd="slow">
         <p:fade/>
       </p:transition>
@@ -3968,13 +3968,13 @@
   <p:clrMapOvr>
     <a:masterClrMapping/>
   </p:clrMapOvr>
-  <mc:AlternateContent xmlns:mc="http://schemas.openxmlformats.org/markup-compatibility/2006">
-    <mc:Choice xmlns:p159="http://schemas.microsoft.com/office/powerpoint/2015/09/main" Requires="p159">
+  <mc:AlternateContent xmlns:mc="http://schemas.openxmlformats.org/markup-compatibility/2006" xmlns:p159="http://schemas.microsoft.com/office/powerpoint/2015/09/main">
+    <mc:Choice Requires="p159">
       <p:transition spd="slow">
         <p159:morph option="byObject"/>
       </p:transition>
     </mc:Choice>
-    <mc:Fallback>
+    <mc:Fallback xmlns="">
       <p:transition spd="slow">
         <p:fade/>
       </p:transition>
@@ -4261,13 +4261,13 @@
   <p:clrMapOvr>
     <a:masterClrMapping/>
   </p:clrMapOvr>
-  <mc:AlternateContent xmlns:mc="http://schemas.openxmlformats.org/markup-compatibility/2006">
-    <mc:Choice xmlns:p159="http://schemas.microsoft.com/office/powerpoint/2015/09/main" Requires="p159">
+  <mc:AlternateContent xmlns:mc="http://schemas.openxmlformats.org/markup-compatibility/2006" xmlns:p159="http://schemas.microsoft.com/office/powerpoint/2015/09/main">
+    <mc:Choice Requires="p159">
       <p:transition spd="slow">
         <p159:morph option="byObject"/>
       </p:transition>
     </mc:Choice>
-    <mc:Fallback>
+    <mc:Fallback xmlns="">
       <p:transition spd="slow">
         <p:fade/>
       </p:transition>
@@ -4412,13 +4412,13 @@
   <p:clrMapOvr>
     <a:masterClrMapping/>
   </p:clrMapOvr>
-  <mc:AlternateContent xmlns:mc="http://schemas.openxmlformats.org/markup-compatibility/2006">
-    <mc:Choice xmlns:p159="http://schemas.microsoft.com/office/powerpoint/2015/09/main" Requires="p159">
+  <mc:AlternateContent xmlns:mc="http://schemas.openxmlformats.org/markup-compatibility/2006" xmlns:p159="http://schemas.microsoft.com/office/powerpoint/2015/09/main">
+    <mc:Choice Requires="p159">
       <p:transition spd="slow">
         <p159:morph option="byObject"/>
       </p:transition>
     </mc:Choice>
-    <mc:Fallback>
+    <mc:Fallback xmlns="">
       <p:transition spd="slow">
         <p:fade/>
       </p:transition>
@@ -4533,13 +4533,13 @@
   <p:clrMapOvr>
     <a:masterClrMapping/>
   </p:clrMapOvr>
-  <mc:AlternateContent xmlns:mc="http://schemas.openxmlformats.org/markup-compatibility/2006">
-    <mc:Choice xmlns:p159="http://schemas.microsoft.com/office/powerpoint/2015/09/main" Requires="p159">
+  <mc:AlternateContent xmlns:mc="http://schemas.openxmlformats.org/markup-compatibility/2006" xmlns:p159="http://schemas.microsoft.com/office/powerpoint/2015/09/main">
+    <mc:Choice Requires="p159">
       <p:transition spd="slow">
         <p159:morph option="byObject"/>
       </p:transition>
     </mc:Choice>
-    <mc:Fallback>
+    <mc:Fallback xmlns="">
       <p:transition spd="slow">
         <p:fade/>
       </p:transition>
@@ -4814,13 +4814,13 @@
   <p:clrMapOvr>
     <a:masterClrMapping/>
   </p:clrMapOvr>
-  <mc:AlternateContent xmlns:mc="http://schemas.openxmlformats.org/markup-compatibility/2006">
-    <mc:Choice xmlns:p159="http://schemas.microsoft.com/office/powerpoint/2015/09/main" Requires="p159">
+  <mc:AlternateContent xmlns:mc="http://schemas.openxmlformats.org/markup-compatibility/2006" xmlns:p159="http://schemas.microsoft.com/office/powerpoint/2015/09/main">
+    <mc:Choice Requires="p159">
       <p:transition spd="slow">
         <p159:morph option="byObject"/>
       </p:transition>
     </mc:Choice>
-    <mc:Fallback>
+    <mc:Fallback xmlns="">
       <p:transition spd="slow">
         <p:fade/>
       </p:transition>
@@ -4855,7 +4855,7 @@
         <p:spPr>
           <a:xfrm>
             <a:off x="407987" y="1052513"/>
-            <a:ext cx="11376025" cy="662554"/>
+            <a:ext cx="11376025" cy="4192943"/>
           </a:xfrm>
           <a:prstGeom prst="rect">
             <a:avLst/>
@@ -4886,10 +4886,10 @@
                 <a:ea typeface="微软雅黑" panose="020B0503020204020204" pitchFamily="34" charset="-122"/>
                 <a:sym typeface="+mn-ea"/>
               </a:rPr>
-              <a:t>目标关联（总成绩比例：</a:t>
-            </a:r>
-            <a:r>
-              <a:rPr lang="en-US" altLang="zh-CN" sz="2800" b="1">
+              <a:t>目标识别（总成绩比例：</a:t>
+            </a:r>
+            <a:r>
+              <a:rPr lang="en-US" altLang="zh-CN" sz="2800" b="1" dirty="0">
                 <a:solidFill>
                   <a:schemeClr val="tx1"/>
                 </a:solidFill>
@@ -4910,6 +4910,257 @@
               </a:rPr>
               <a:t>）</a:t>
             </a:r>
+            <a:endParaRPr lang="en-US" altLang="zh-CN" sz="2800" b="1" dirty="0">
+              <a:solidFill>
+                <a:schemeClr val="tx1"/>
+              </a:solidFill>
+              <a:latin typeface="微软雅黑" panose="020B0503020204020204" pitchFamily="34" charset="-122"/>
+              <a:ea typeface="微软雅黑" panose="020B0503020204020204" pitchFamily="34" charset="-122"/>
+              <a:sym typeface="+mn-ea"/>
+            </a:endParaRPr>
+          </a:p>
+          <a:p>
+            <a:pPr marL="800100" lvl="1" indent="-342900">
+              <a:lnSpc>
+                <a:spcPct val="150000"/>
+              </a:lnSpc>
+              <a:buFont typeface="Arial" panose="020B0604020202020204" pitchFamily="34" charset="0"/>
+              <a:buChar char="•"/>
+            </a:pPr>
+            <a:r>
+              <a:rPr lang="zh-CN" altLang="en-US" sz="2400" b="1" dirty="0">
+                <a:latin typeface="微软雅黑" panose="020B0503020204020204" pitchFamily="34" charset="-122"/>
+                <a:ea typeface="微软雅黑" panose="020B0503020204020204" pitchFamily="34" charset="-122"/>
+                <a:sym typeface="+mn-ea"/>
+              </a:rPr>
+              <a:t>依据观测航迹数据，判定每个航迹是哪个目标。给出判定流程、门限阈值、结果以及自己的一些发现和探讨。</a:t>
+            </a:r>
+            <a:endParaRPr lang="en-US" altLang="zh-CN" sz="2800" b="1" dirty="0">
+              <a:solidFill>
+                <a:schemeClr val="tx1"/>
+              </a:solidFill>
+              <a:latin typeface="微软雅黑" panose="020B0503020204020204" pitchFamily="34" charset="-122"/>
+              <a:ea typeface="微软雅黑" panose="020B0503020204020204" pitchFamily="34" charset="-122"/>
+              <a:sym typeface="+mn-ea"/>
+            </a:endParaRPr>
+          </a:p>
+          <a:p>
+            <a:pPr marL="800100" lvl="1" indent="-342900">
+              <a:lnSpc>
+                <a:spcPct val="150000"/>
+              </a:lnSpc>
+              <a:buFont typeface="Arial" panose="020B0604020202020204" pitchFamily="34" charset="0"/>
+              <a:buChar char="•"/>
+            </a:pPr>
+            <a:r>
+              <a:rPr lang="zh-CN" altLang="en-US" sz="2400" b="1" dirty="0">
+                <a:solidFill>
+                  <a:schemeClr val="tx1"/>
+                </a:solidFill>
+                <a:latin typeface="微软雅黑" panose="020B0503020204020204" pitchFamily="34" charset="-122"/>
+                <a:ea typeface="微软雅黑" panose="020B0503020204020204" pitchFamily="34" charset="-122"/>
+                <a:sym typeface="+mn-ea"/>
+              </a:rPr>
+              <a:t>观测数据格式：</a:t>
+            </a:r>
+            <a:endParaRPr lang="en-US" altLang="zh-CN" sz="2400" b="1" dirty="0">
+              <a:solidFill>
+                <a:schemeClr val="tx1"/>
+              </a:solidFill>
+              <a:latin typeface="微软雅黑" panose="020B0503020204020204" pitchFamily="34" charset="-122"/>
+              <a:ea typeface="微软雅黑" panose="020B0503020204020204" pitchFamily="34" charset="-122"/>
+              <a:sym typeface="+mn-ea"/>
+            </a:endParaRPr>
+          </a:p>
+          <a:p>
+            <a:pPr fontAlgn="auto">
+              <a:spcAft>
+                <a:spcPts val="0"/>
+              </a:spcAft>
+            </a:pPr>
+            <a:r>
+              <a:rPr lang="en-US" altLang="zh-CN" sz="2800" b="1" dirty="0">
+                <a:latin typeface="微软雅黑" panose="020B0503020204020204" pitchFamily="34" charset="-122"/>
+                <a:ea typeface="微软雅黑" panose="020B0503020204020204" pitchFamily="34" charset="-122"/>
+                <a:sym typeface="+mn-ea"/>
+              </a:rPr>
+              <a:t>         </a:t>
+            </a:r>
+            <a:r>
+              <a:rPr lang="en-US" altLang="zh-CN" sz="2000" b="1" dirty="0">
+                <a:latin typeface="微软雅黑" panose="020B0503020204020204" pitchFamily="34" charset="-122"/>
+                <a:ea typeface="微软雅黑" panose="020B0503020204020204" pitchFamily="34" charset="-122"/>
+                <a:sym typeface="+mn-ea"/>
+              </a:rPr>
+              <a:t>## </a:t>
+            </a:r>
+            <a:r>
+              <a:rPr lang="zh-CN" altLang="en-US" sz="2000" b="1" dirty="0">
+                <a:latin typeface="微软雅黑" panose="020B0503020204020204" pitchFamily="34" charset="-122"/>
+                <a:ea typeface="微软雅黑" panose="020B0503020204020204" pitchFamily="34" charset="-122"/>
+                <a:sym typeface="+mn-ea"/>
+              </a:rPr>
+              <a:t>航迹编号</a:t>
+            </a:r>
+            <a:endParaRPr lang="en-US" altLang="zh-CN" sz="2000" b="1" dirty="0">
+              <a:latin typeface="微软雅黑" panose="020B0503020204020204" pitchFamily="34" charset="-122"/>
+              <a:ea typeface="微软雅黑" panose="020B0503020204020204" pitchFamily="34" charset="-122"/>
+              <a:sym typeface="+mn-ea"/>
+            </a:endParaRPr>
+          </a:p>
+          <a:p>
+            <a:pPr fontAlgn="auto">
+              <a:spcAft>
+                <a:spcPts val="0"/>
+              </a:spcAft>
+            </a:pPr>
+            <a:r>
+              <a:rPr lang="en-US" altLang="zh-CN" sz="2000" b="1" dirty="0">
+                <a:latin typeface="微软雅黑" panose="020B0503020204020204" pitchFamily="34" charset="-122"/>
+                <a:ea typeface="微软雅黑" panose="020B0503020204020204" pitchFamily="34" charset="-122"/>
+                <a:sym typeface="+mn-ea"/>
+              </a:rPr>
+              <a:t>             </a:t>
+            </a:r>
+            <a:r>
+              <a:rPr lang="en-US" altLang="zh-CN" sz="2000" b="1" dirty="0">
+                <a:solidFill>
+                  <a:schemeClr val="tx1"/>
+                </a:solidFill>
+                <a:latin typeface="微软雅黑" panose="020B0503020204020204" pitchFamily="34" charset="-122"/>
+                <a:ea typeface="微软雅黑" panose="020B0503020204020204" pitchFamily="34" charset="-122"/>
+                <a:sym typeface="+mn-ea"/>
+              </a:rPr>
+              <a:t>UTC</a:t>
+            </a:r>
+            <a:r>
+              <a:rPr lang="zh-CN" altLang="en-US" sz="2000" b="1" dirty="0">
+                <a:solidFill>
+                  <a:schemeClr val="tx1"/>
+                </a:solidFill>
+                <a:latin typeface="微软雅黑" panose="020B0503020204020204" pitchFamily="34" charset="-122"/>
+                <a:ea typeface="微软雅黑" panose="020B0503020204020204" pitchFamily="34" charset="-122"/>
+                <a:sym typeface="+mn-ea"/>
+              </a:rPr>
+              <a:t>时间，站心赤道坐标系赤经、赤纬，测站编号，</a:t>
+            </a:r>
+            <a:r>
+              <a:rPr lang="en-US" altLang="zh-CN" sz="2000" b="1" dirty="0">
+                <a:solidFill>
+                  <a:schemeClr val="tx1"/>
+                </a:solidFill>
+                <a:latin typeface="微软雅黑" panose="020B0503020204020204" pitchFamily="34" charset="-122"/>
+                <a:ea typeface="微软雅黑" panose="020B0503020204020204" pitchFamily="34" charset="-122"/>
+                <a:sym typeface="+mn-ea"/>
+              </a:rPr>
+              <a:t>0.0</a:t>
+            </a:r>
+            <a:r>
+              <a:rPr lang="zh-CN" altLang="en-US" sz="2000" b="1" dirty="0">
+                <a:solidFill>
+                  <a:schemeClr val="tx1"/>
+                </a:solidFill>
+                <a:latin typeface="微软雅黑" panose="020B0503020204020204" pitchFamily="34" charset="-122"/>
+                <a:ea typeface="微软雅黑" panose="020B0503020204020204" pitchFamily="34" charset="-122"/>
+                <a:sym typeface="+mn-ea"/>
+              </a:rPr>
+              <a:t>（不用管），目标星等</a:t>
+            </a:r>
+            <a:endParaRPr lang="en-US" altLang="zh-CN" sz="2000" b="1" dirty="0">
+              <a:solidFill>
+                <a:schemeClr val="tx1"/>
+              </a:solidFill>
+              <a:latin typeface="微软雅黑" panose="020B0503020204020204" pitchFamily="34" charset="-122"/>
+              <a:ea typeface="微软雅黑" panose="020B0503020204020204" pitchFamily="34" charset="-122"/>
+              <a:sym typeface="+mn-ea"/>
+            </a:endParaRPr>
+          </a:p>
+          <a:p>
+            <a:pPr marL="342900" indent="-342900" fontAlgn="auto">
+              <a:lnSpc>
+                <a:spcPct val="150000"/>
+              </a:lnSpc>
+              <a:spcAft>
+                <a:spcPts val="0"/>
+              </a:spcAft>
+              <a:buFont typeface="Arial" panose="020B0604020202020204" pitchFamily="34" charset="0"/>
+              <a:buChar char="•"/>
+            </a:pPr>
+            <a:endParaRPr lang="en-US" altLang="zh-CN" sz="2800" b="1" dirty="0">
+              <a:latin typeface="微软雅黑" panose="020B0503020204020204" pitchFamily="34" charset="-122"/>
+              <a:ea typeface="微软雅黑" panose="020B0503020204020204" pitchFamily="34" charset="-122"/>
+              <a:sym typeface="+mn-ea"/>
+            </a:endParaRPr>
+          </a:p>
+          <a:p>
+            <a:pPr marL="800100" lvl="1" indent="-342900">
+              <a:lnSpc>
+                <a:spcPct val="150000"/>
+              </a:lnSpc>
+              <a:buFont typeface="Arial" panose="020B0604020202020204" pitchFamily="34" charset="0"/>
+              <a:buChar char="•"/>
+            </a:pPr>
+            <a:r>
+              <a:rPr lang="zh-CN" altLang="en-US" sz="2000" b="1" dirty="0">
+                <a:solidFill>
+                  <a:schemeClr val="tx1"/>
+                </a:solidFill>
+                <a:latin typeface="微软雅黑" panose="020B0503020204020204" pitchFamily="34" charset="-122"/>
+                <a:ea typeface="微软雅黑" panose="020B0503020204020204" pitchFamily="34" charset="-122"/>
+                <a:sym typeface="+mn-ea"/>
+              </a:rPr>
+              <a:t>数据集 </a:t>
+            </a:r>
+            <a:r>
+              <a:rPr lang="en-GB" altLang="zh-CN" sz="2000" b="1" dirty="0">
+                <a:solidFill>
+                  <a:schemeClr val="tx1"/>
+                </a:solidFill>
+                <a:latin typeface="微软雅黑" panose="020B0503020204020204" pitchFamily="34" charset="-122"/>
+                <a:ea typeface="微软雅黑" panose="020B0503020204020204" pitchFamily="34" charset="-122"/>
+                <a:sym typeface="+mn-ea"/>
+                <a:hlinkClick r:id="rId2"/>
+              </a:rPr>
+              <a:t>https://git.nddc.pmo.ac.cn/linhouyuan/DAOSSA</a:t>
+            </a:r>
+            <a:r>
+              <a:rPr lang="en-GB" altLang="zh-CN" sz="2000" b="1" dirty="0">
+                <a:solidFill>
+                  <a:schemeClr val="tx1"/>
+                </a:solidFill>
+                <a:latin typeface="微软雅黑" panose="020B0503020204020204" pitchFamily="34" charset="-122"/>
+                <a:ea typeface="微软雅黑" panose="020B0503020204020204" pitchFamily="34" charset="-122"/>
+                <a:sym typeface="+mn-ea"/>
+              </a:rPr>
+              <a:t> </a:t>
+            </a:r>
+            <a:r>
+              <a:rPr lang="zh-CN" altLang="en-US" sz="2000" b="1" dirty="0">
+                <a:latin typeface="微软雅黑" panose="020B0503020204020204" pitchFamily="34" charset="-122"/>
+                <a:ea typeface="微软雅黑" panose="020B0503020204020204" pitchFamily="34" charset="-122"/>
+                <a:sym typeface="+mn-ea"/>
+              </a:rPr>
+              <a:t> </a:t>
+            </a:r>
+            <a:r>
+              <a:rPr lang="en-US" altLang="zh-CN" sz="2000" b="1" dirty="0">
+                <a:solidFill>
+                  <a:schemeClr val="tx1"/>
+                </a:solidFill>
+                <a:latin typeface="微软雅黑" panose="020B0503020204020204" pitchFamily="34" charset="-122"/>
+                <a:ea typeface="微软雅黑" panose="020B0503020204020204" pitchFamily="34" charset="-122"/>
+                <a:sym typeface="+mn-ea"/>
+              </a:rPr>
+              <a:t>data_exercise_7</a:t>
+            </a:r>
+            <a:endParaRPr lang="zh-CN" altLang="en-US" sz="2000" b="1" dirty="0">
+              <a:solidFill>
+                <a:schemeClr val="tx1"/>
+              </a:solidFill>
+              <a:latin typeface="微软雅黑" panose="020B0503020204020204" pitchFamily="34" charset="-122"/>
+              <a:ea typeface="微软雅黑" panose="020B0503020204020204" pitchFamily="34" charset="-122"/>
+              <a:sym typeface="+mn-ea"/>
+            </a:endParaRPr>
           </a:p>
         </p:txBody>
       </p:sp>
@@ -5002,13 +5253,13 @@
   <p:clrMapOvr>
     <a:masterClrMapping/>
   </p:clrMapOvr>
-  <mc:AlternateContent xmlns:mc="http://schemas.openxmlformats.org/markup-compatibility/2006">
-    <mc:Choice xmlns:p159="http://schemas.microsoft.com/office/powerpoint/2015/09/main" Requires="p159">
+  <mc:AlternateContent xmlns:mc="http://schemas.openxmlformats.org/markup-compatibility/2006" xmlns:p159="http://schemas.microsoft.com/office/powerpoint/2015/09/main">
+    <mc:Choice Requires="p159">
       <p:transition spd="slow">
         <p159:morph option="byObject"/>
       </p:transition>
     </mc:Choice>
-    <mc:Fallback>
+    <mc:Fallback xmlns="">
       <p:transition spd="slow">
         <p:fade/>
       </p:transition>
@@ -5294,13 +5545,13 @@
   <p:clrMapOvr>
     <a:masterClrMapping/>
   </p:clrMapOvr>
-  <mc:AlternateContent xmlns:mc="http://schemas.openxmlformats.org/markup-compatibility/2006">
-    <mc:Choice xmlns:p159="http://schemas.microsoft.com/office/powerpoint/2015/09/main" Requires="p159">
+  <mc:AlternateContent xmlns:mc="http://schemas.openxmlformats.org/markup-compatibility/2006" xmlns:p159="http://schemas.microsoft.com/office/powerpoint/2015/09/main">
+    <mc:Choice Requires="p159">
       <p:transition spd="slow">
         <p159:morph option="byObject"/>
       </p:transition>
     </mc:Choice>
-    <mc:Fallback>
+    <mc:Fallback xmlns="">
       <p:transition spd="slow">
         <p:fade/>
       </p:transition>
@@ -5661,13 +5912,13 @@
   <p:clrMapOvr>
     <a:masterClrMapping/>
   </p:clrMapOvr>
-  <mc:AlternateContent xmlns:mc="http://schemas.openxmlformats.org/markup-compatibility/2006">
-    <mc:Choice xmlns:p159="http://schemas.microsoft.com/office/powerpoint/2015/09/main" Requires="p159">
+  <mc:AlternateContent xmlns:mc="http://schemas.openxmlformats.org/markup-compatibility/2006" xmlns:p159="http://schemas.microsoft.com/office/powerpoint/2015/09/main">
+    <mc:Choice Requires="p159">
       <p:transition spd="slow">
         <p159:morph option="byObject"/>
       </p:transition>
     </mc:Choice>
-    <mc:Fallback>
+    <mc:Fallback xmlns="">
       <p:transition spd="slow">
         <p:fade/>
       </p:transition>
@@ -6035,13 +6286,13 @@
   <p:clrMapOvr>
     <a:masterClrMapping/>
   </p:clrMapOvr>
-  <mc:AlternateContent xmlns:mc="http://schemas.openxmlformats.org/markup-compatibility/2006">
-    <mc:Choice xmlns:p159="http://schemas.microsoft.com/office/powerpoint/2015/09/main" Requires="p159">
+  <mc:AlternateContent xmlns:mc="http://schemas.openxmlformats.org/markup-compatibility/2006" xmlns:p159="http://schemas.microsoft.com/office/powerpoint/2015/09/main">
+    <mc:Choice Requires="p159">
       <p:transition spd="slow">
         <p159:morph option="byObject"/>
       </p:transition>
     </mc:Choice>
-    <mc:Fallback>
+    <mc:Fallback xmlns="">
       <p:transition spd="slow">
         <p:fade/>
       </p:transition>
@@ -6389,13 +6640,13 @@
   <p:clrMapOvr>
     <a:masterClrMapping/>
   </p:clrMapOvr>
-  <mc:AlternateContent xmlns:mc="http://schemas.openxmlformats.org/markup-compatibility/2006">
-    <mc:Choice xmlns:p159="http://schemas.microsoft.com/office/powerpoint/2015/09/main" Requires="p159">
+  <mc:AlternateContent xmlns:mc="http://schemas.openxmlformats.org/markup-compatibility/2006" xmlns:p159="http://schemas.microsoft.com/office/powerpoint/2015/09/main">
+    <mc:Choice Requires="p159">
       <p:transition spd="slow">
         <p159:morph option="byObject"/>
       </p:transition>
     </mc:Choice>
-    <mc:Fallback>
+    <mc:Fallback xmlns="">
       <p:transition spd="slow">
         <p:fade/>
       </p:transition>
@@ -6615,13 +6866,13 @@
   <p:clrMapOvr>
     <a:masterClrMapping/>
   </p:clrMapOvr>
-  <mc:AlternateContent xmlns:mc="http://schemas.openxmlformats.org/markup-compatibility/2006">
-    <mc:Choice xmlns:p159="http://schemas.microsoft.com/office/powerpoint/2015/09/main" Requires="p159">
+  <mc:AlternateContent xmlns:mc="http://schemas.openxmlformats.org/markup-compatibility/2006" xmlns:p159="http://schemas.microsoft.com/office/powerpoint/2015/09/main">
+    <mc:Choice Requires="p159">
       <p:transition spd="slow">
         <p159:morph option="byObject"/>
       </p:transition>
     </mc:Choice>
-    <mc:Fallback>
+    <mc:Fallback xmlns="">
       <p:transition spd="slow">
         <p:fade/>
       </p:transition>
@@ -6969,13 +7220,13 @@
   <p:clrMapOvr>
     <a:masterClrMapping/>
   </p:clrMapOvr>
-  <mc:AlternateContent xmlns:mc="http://schemas.openxmlformats.org/markup-compatibility/2006">
-    <mc:Choice xmlns:p159="http://schemas.microsoft.com/office/powerpoint/2015/09/main" Requires="p159">
+  <mc:AlternateContent xmlns:mc="http://schemas.openxmlformats.org/markup-compatibility/2006" xmlns:p159="http://schemas.microsoft.com/office/powerpoint/2015/09/main">
+    <mc:Choice Requires="p159">
       <p:transition spd="slow">
         <p159:morph option="byObject"/>
       </p:transition>
     </mc:Choice>
-    <mc:Fallback>
+    <mc:Fallback xmlns="">
       <p:transition spd="slow">
         <p:fade/>
       </p:transition>
@@ -7275,13 +7526,13 @@
   <p:clrMapOvr>
     <a:masterClrMapping/>
   </p:clrMapOvr>
-  <mc:AlternateContent xmlns:mc="http://schemas.openxmlformats.org/markup-compatibility/2006">
-    <mc:Choice xmlns:p159="http://schemas.microsoft.com/office/powerpoint/2015/09/main" Requires="p159">
+  <mc:AlternateContent xmlns:mc="http://schemas.openxmlformats.org/markup-compatibility/2006" xmlns:p159="http://schemas.microsoft.com/office/powerpoint/2015/09/main">
+    <mc:Choice Requires="p159">
       <p:transition spd="slow">
         <p159:morph option="byObject"/>
       </p:transition>
     </mc:Choice>
-    <mc:Fallback>
+    <mc:Fallback xmlns="">
       <p:transition spd="slow">
         <p:fade/>
       </p:transition>
@@ -7516,13 +7767,13 @@
   <p:clrMapOvr>
     <a:masterClrMapping/>
   </p:clrMapOvr>
-  <mc:AlternateContent xmlns:mc="http://schemas.openxmlformats.org/markup-compatibility/2006">
-    <mc:Choice xmlns:p159="http://schemas.microsoft.com/office/powerpoint/2015/09/main" Requires="p159">
+  <mc:AlternateContent xmlns:mc="http://schemas.openxmlformats.org/markup-compatibility/2006" xmlns:p159="http://schemas.microsoft.com/office/powerpoint/2015/09/main">
+    <mc:Choice Requires="p159">
       <p:transition spd="slow">
         <p159:morph option="byObject"/>
       </p:transition>
     </mc:Choice>
-    <mc:Fallback>
+    <mc:Fallback xmlns="">
       <p:transition spd="slow">
         <p:fade/>
       </p:transition>
